--- a/presentation/satvikkishoew_finalproj.pptx
+++ b/presentation/satvikkishoew_finalproj.pptx
@@ -13,6 +13,8 @@
     <p:sldId id="261" r:id="rId7"/>
     <p:sldId id="262" r:id="rId8"/>
     <p:sldId id="263" r:id="rId9"/>
+    <p:sldId id="264" r:id="rId10"/>
+    <p:sldId id="265" r:id="rId11"/>
   </p:sldIdLst>
   <p:sldSz cx="12192000" cy="6858000"/>
   <p:notesSz cx="6858000" cy="9144000"/>
@@ -3317,6 +3319,404 @@
 </p:sld>
 </file>
 
+<file path=ppt/slides/slide10.xml><?xml version="1.0" encoding="utf-8"?>
+<p:sld xmlns:a="http://schemas.openxmlformats.org/drawingml/2006/main" xmlns:r="http://schemas.openxmlformats.org/officeDocument/2006/relationships" xmlns:p="http://schemas.openxmlformats.org/presentationml/2006/main">
+  <p:cSld>
+    <p:spTree>
+      <p:nvGrpSpPr>
+        <p:cNvPr id="1" name=""/>
+        <p:cNvGrpSpPr/>
+        <p:nvPr/>
+      </p:nvGrpSpPr>
+      <p:grpSpPr>
+        <a:xfrm>
+          <a:off x="0" y="0"/>
+          <a:ext cx="0" cy="0"/>
+          <a:chOff x="0" y="0"/>
+          <a:chExt cx="0" cy="0"/>
+        </a:xfrm>
+      </p:grpSpPr>
+      <p:sp>
+        <p:nvSpPr>
+          <p:cNvPr id="3" name="Content Placeholder 2"/>
+          <p:cNvSpPr>
+            <a:spLocks noGrp="1"/>
+          </p:cNvSpPr>
+          <p:nvPr>
+            <p:ph idx="1"/>
+          </p:nvPr>
+        </p:nvSpPr>
+        <p:spPr>
+          <a:xfrm>
+            <a:off x="838200" y="1825625"/>
+            <a:ext cx="10515600" cy="1661378"/>
+          </a:xfrm>
+        </p:spPr>
+        <p:txBody>
+          <a:bodyPr/>
+          <a:lstStyle/>
+          <a:p>
+            <a:r>
+              <a:rPr lang="en-IN" dirty="0" smtClean="0"/>
+              <a:t>No significant difference in quality across directors was observed</a:t>
+            </a:r>
+          </a:p>
+          <a:p>
+            <a:r>
+              <a:rPr lang="en-IN" dirty="0" smtClean="0"/>
+              <a:t>There are significant differences across seasons across shows</a:t>
+            </a:r>
+          </a:p>
+          <a:p>
+            <a:r>
+              <a:rPr lang="en-IN" dirty="0" smtClean="0"/>
+              <a:t>Character prominence plays a large role in reception of the episodes</a:t>
+            </a:r>
+          </a:p>
+          <a:p>
+            <a:endParaRPr lang="en-IN" dirty="0"/>
+          </a:p>
+          <a:p>
+            <a:endParaRPr lang="en-US" dirty="0"/>
+          </a:p>
+        </p:txBody>
+      </p:sp>
+      <p:sp>
+        <p:nvSpPr>
+          <p:cNvPr id="4" name="Title 1"/>
+          <p:cNvSpPr txBox="1">
+            <a:spLocks/>
+          </p:cNvSpPr>
+          <p:nvPr/>
+        </p:nvSpPr>
+        <p:spPr>
+          <a:xfrm>
+            <a:off x="838200" y="250340"/>
+            <a:ext cx="10257430" cy="1325563"/>
+          </a:xfrm>
+          <a:prstGeom prst="rect">
+            <a:avLst/>
+          </a:prstGeom>
+        </p:spPr>
+        <p:txBody>
+          <a:bodyPr vert="horz" lIns="91440" tIns="45720" rIns="91440" bIns="45720" rtlCol="0" anchor="ctr">
+            <a:normAutofit/>
+          </a:bodyPr>
+          <a:lstStyle>
+            <a:lvl1pPr algn="l" defTabSz="914400" rtl="0" eaLnBrk="1" latinLnBrk="0" hangingPunct="1">
+              <a:lnSpc>
+                <a:spcPct val="90000"/>
+              </a:lnSpc>
+              <a:spcBef>
+                <a:spcPct val="0"/>
+              </a:spcBef>
+              <a:buNone/>
+              <a:defRPr sz="4400" kern="1200">
+                <a:solidFill>
+                  <a:schemeClr val="tx1"/>
+                </a:solidFill>
+                <a:latin typeface="+mj-lt"/>
+                <a:ea typeface="+mj-ea"/>
+                <a:cs typeface="+mj-cs"/>
+              </a:defRPr>
+            </a:lvl1pPr>
+          </a:lstStyle>
+          <a:p>
+            <a:r>
+              <a:rPr lang="en-IN" sz="4000" dirty="0" smtClean="0">
+                <a:solidFill>
+                  <a:srgbClr val="F8CE21"/>
+                </a:solidFill>
+                <a:latin typeface="Franklin Gothic Demi" panose="020B0703020102020204" pitchFamily="34" charset="0"/>
+              </a:rPr>
+              <a:t>CONCLUSIONS</a:t>
+            </a:r>
+            <a:endParaRPr lang="en-US" sz="4000" dirty="0">
+              <a:solidFill>
+                <a:srgbClr val="F8CE21"/>
+              </a:solidFill>
+              <a:latin typeface="Franklin Gothic Demi" panose="020B0703020102020204" pitchFamily="34" charset="0"/>
+            </a:endParaRPr>
+          </a:p>
+        </p:txBody>
+      </p:sp>
+      <p:sp>
+        <p:nvSpPr>
+          <p:cNvPr id="5" name="Title 1"/>
+          <p:cNvSpPr txBox="1">
+            <a:spLocks/>
+          </p:cNvSpPr>
+          <p:nvPr/>
+        </p:nvSpPr>
+        <p:spPr>
+          <a:xfrm>
+            <a:off x="838200" y="3214178"/>
+            <a:ext cx="10257430" cy="1325563"/>
+          </a:xfrm>
+          <a:prstGeom prst="rect">
+            <a:avLst/>
+          </a:prstGeom>
+        </p:spPr>
+        <p:txBody>
+          <a:bodyPr vert="horz" lIns="91440" tIns="45720" rIns="91440" bIns="45720" rtlCol="0" anchor="ctr">
+            <a:normAutofit/>
+          </a:bodyPr>
+          <a:lstStyle>
+            <a:lvl1pPr algn="l" defTabSz="914400" rtl="0" eaLnBrk="1" latinLnBrk="0" hangingPunct="1">
+              <a:lnSpc>
+                <a:spcPct val="90000"/>
+              </a:lnSpc>
+              <a:spcBef>
+                <a:spcPct val="0"/>
+              </a:spcBef>
+              <a:buNone/>
+              <a:defRPr sz="4400" kern="1200">
+                <a:solidFill>
+                  <a:schemeClr val="tx1"/>
+                </a:solidFill>
+                <a:latin typeface="+mj-lt"/>
+                <a:ea typeface="+mj-ea"/>
+                <a:cs typeface="+mj-cs"/>
+              </a:defRPr>
+            </a:lvl1pPr>
+          </a:lstStyle>
+          <a:p>
+            <a:r>
+              <a:rPr lang="en-IN" sz="4000" dirty="0" smtClean="0">
+                <a:solidFill>
+                  <a:srgbClr val="F8CE21"/>
+                </a:solidFill>
+                <a:latin typeface="Franklin Gothic Demi" panose="020B0703020102020204" pitchFamily="34" charset="0"/>
+              </a:rPr>
+              <a:t>LIMTATIONS</a:t>
+            </a:r>
+            <a:endParaRPr lang="en-US" sz="4000" dirty="0">
+              <a:solidFill>
+                <a:srgbClr val="F8CE21"/>
+              </a:solidFill>
+              <a:latin typeface="Franklin Gothic Demi" panose="020B0703020102020204" pitchFamily="34" charset="0"/>
+            </a:endParaRPr>
+          </a:p>
+        </p:txBody>
+      </p:sp>
+      <p:sp>
+        <p:nvSpPr>
+          <p:cNvPr id="6" name="Content Placeholder 2"/>
+          <p:cNvSpPr txBox="1">
+            <a:spLocks/>
+          </p:cNvSpPr>
+          <p:nvPr/>
+        </p:nvSpPr>
+        <p:spPr>
+          <a:xfrm>
+            <a:off x="709115" y="4251016"/>
+            <a:ext cx="10515600" cy="1815414"/>
+          </a:xfrm>
+          <a:prstGeom prst="rect">
+            <a:avLst/>
+          </a:prstGeom>
+        </p:spPr>
+        <p:txBody>
+          <a:bodyPr vert="horz" lIns="91440" tIns="45720" rIns="91440" bIns="45720" rtlCol="0">
+            <a:normAutofit/>
+          </a:bodyPr>
+          <a:lstStyle>
+            <a:lvl1pPr marL="228600" indent="-228600" algn="l" defTabSz="914400" rtl="0" eaLnBrk="1" latinLnBrk="0" hangingPunct="1">
+              <a:lnSpc>
+                <a:spcPct val="90000"/>
+              </a:lnSpc>
+              <a:spcBef>
+                <a:spcPts val="1000"/>
+              </a:spcBef>
+              <a:buFont typeface="Arial" panose="020B0604020202020204" pitchFamily="34" charset="0"/>
+              <a:buChar char="•"/>
+              <a:defRPr sz="2800" kern="1200">
+                <a:solidFill>
+                  <a:schemeClr val="tx1"/>
+                </a:solidFill>
+                <a:latin typeface="+mn-lt"/>
+                <a:ea typeface="+mn-ea"/>
+                <a:cs typeface="+mn-cs"/>
+              </a:defRPr>
+            </a:lvl1pPr>
+            <a:lvl2pPr marL="685800" indent="-228600" algn="l" defTabSz="914400" rtl="0" eaLnBrk="1" latinLnBrk="0" hangingPunct="1">
+              <a:lnSpc>
+                <a:spcPct val="90000"/>
+              </a:lnSpc>
+              <a:spcBef>
+                <a:spcPts val="500"/>
+              </a:spcBef>
+              <a:buFont typeface="Arial" panose="020B0604020202020204" pitchFamily="34" charset="0"/>
+              <a:buChar char="•"/>
+              <a:defRPr sz="2400" kern="1200">
+                <a:solidFill>
+                  <a:schemeClr val="tx1"/>
+                </a:solidFill>
+                <a:latin typeface="+mn-lt"/>
+                <a:ea typeface="+mn-ea"/>
+                <a:cs typeface="+mn-cs"/>
+              </a:defRPr>
+            </a:lvl2pPr>
+            <a:lvl3pPr marL="1143000" indent="-228600" algn="l" defTabSz="914400" rtl="0" eaLnBrk="1" latinLnBrk="0" hangingPunct="1">
+              <a:lnSpc>
+                <a:spcPct val="90000"/>
+              </a:lnSpc>
+              <a:spcBef>
+                <a:spcPts val="500"/>
+              </a:spcBef>
+              <a:buFont typeface="Arial" panose="020B0604020202020204" pitchFamily="34" charset="0"/>
+              <a:buChar char="•"/>
+              <a:defRPr sz="2000" kern="1200">
+                <a:solidFill>
+                  <a:schemeClr val="tx1"/>
+                </a:solidFill>
+                <a:latin typeface="+mn-lt"/>
+                <a:ea typeface="+mn-ea"/>
+                <a:cs typeface="+mn-cs"/>
+              </a:defRPr>
+            </a:lvl3pPr>
+            <a:lvl4pPr marL="1600200" indent="-228600" algn="l" defTabSz="914400" rtl="0" eaLnBrk="1" latinLnBrk="0" hangingPunct="1">
+              <a:lnSpc>
+                <a:spcPct val="90000"/>
+              </a:lnSpc>
+              <a:spcBef>
+                <a:spcPts val="500"/>
+              </a:spcBef>
+              <a:buFont typeface="Arial" panose="020B0604020202020204" pitchFamily="34" charset="0"/>
+              <a:buChar char="•"/>
+              <a:defRPr sz="1800" kern="1200">
+                <a:solidFill>
+                  <a:schemeClr val="tx1"/>
+                </a:solidFill>
+                <a:latin typeface="+mn-lt"/>
+                <a:ea typeface="+mn-ea"/>
+                <a:cs typeface="+mn-cs"/>
+              </a:defRPr>
+            </a:lvl4pPr>
+            <a:lvl5pPr marL="2057400" indent="-228600" algn="l" defTabSz="914400" rtl="0" eaLnBrk="1" latinLnBrk="0" hangingPunct="1">
+              <a:lnSpc>
+                <a:spcPct val="90000"/>
+              </a:lnSpc>
+              <a:spcBef>
+                <a:spcPts val="500"/>
+              </a:spcBef>
+              <a:buFont typeface="Arial" panose="020B0604020202020204" pitchFamily="34" charset="0"/>
+              <a:buChar char="•"/>
+              <a:defRPr sz="1800" kern="1200">
+                <a:solidFill>
+                  <a:schemeClr val="tx1"/>
+                </a:solidFill>
+                <a:latin typeface="+mn-lt"/>
+                <a:ea typeface="+mn-ea"/>
+                <a:cs typeface="+mn-cs"/>
+              </a:defRPr>
+            </a:lvl5pPr>
+            <a:lvl6pPr marL="2514600" indent="-228600" algn="l" defTabSz="914400" rtl="0" eaLnBrk="1" latinLnBrk="0" hangingPunct="1">
+              <a:lnSpc>
+                <a:spcPct val="90000"/>
+              </a:lnSpc>
+              <a:spcBef>
+                <a:spcPts val="500"/>
+              </a:spcBef>
+              <a:buFont typeface="Arial" panose="020B0604020202020204" pitchFamily="34" charset="0"/>
+              <a:buChar char="•"/>
+              <a:defRPr sz="1800" kern="1200">
+                <a:solidFill>
+                  <a:schemeClr val="tx1"/>
+                </a:solidFill>
+                <a:latin typeface="+mn-lt"/>
+                <a:ea typeface="+mn-ea"/>
+                <a:cs typeface="+mn-cs"/>
+              </a:defRPr>
+            </a:lvl6pPr>
+            <a:lvl7pPr marL="2971800" indent="-228600" algn="l" defTabSz="914400" rtl="0" eaLnBrk="1" latinLnBrk="0" hangingPunct="1">
+              <a:lnSpc>
+                <a:spcPct val="90000"/>
+              </a:lnSpc>
+              <a:spcBef>
+                <a:spcPts val="500"/>
+              </a:spcBef>
+              <a:buFont typeface="Arial" panose="020B0604020202020204" pitchFamily="34" charset="0"/>
+              <a:buChar char="•"/>
+              <a:defRPr sz="1800" kern="1200">
+                <a:solidFill>
+                  <a:schemeClr val="tx1"/>
+                </a:solidFill>
+                <a:latin typeface="+mn-lt"/>
+                <a:ea typeface="+mn-ea"/>
+                <a:cs typeface="+mn-cs"/>
+              </a:defRPr>
+            </a:lvl7pPr>
+            <a:lvl8pPr marL="3429000" indent="-228600" algn="l" defTabSz="914400" rtl="0" eaLnBrk="1" latinLnBrk="0" hangingPunct="1">
+              <a:lnSpc>
+                <a:spcPct val="90000"/>
+              </a:lnSpc>
+              <a:spcBef>
+                <a:spcPts val="500"/>
+              </a:spcBef>
+              <a:buFont typeface="Arial" panose="020B0604020202020204" pitchFamily="34" charset="0"/>
+              <a:buChar char="•"/>
+              <a:defRPr sz="1800" kern="1200">
+                <a:solidFill>
+                  <a:schemeClr val="tx1"/>
+                </a:solidFill>
+                <a:latin typeface="+mn-lt"/>
+                <a:ea typeface="+mn-ea"/>
+                <a:cs typeface="+mn-cs"/>
+              </a:defRPr>
+            </a:lvl8pPr>
+            <a:lvl9pPr marL="3886200" indent="-228600" algn="l" defTabSz="914400" rtl="0" eaLnBrk="1" latinLnBrk="0" hangingPunct="1">
+              <a:lnSpc>
+                <a:spcPct val="90000"/>
+              </a:lnSpc>
+              <a:spcBef>
+                <a:spcPts val="500"/>
+              </a:spcBef>
+              <a:buFont typeface="Arial" panose="020B0604020202020204" pitchFamily="34" charset="0"/>
+              <a:buChar char="•"/>
+              <a:defRPr sz="1800" kern="1200">
+                <a:solidFill>
+                  <a:schemeClr val="tx1"/>
+                </a:solidFill>
+                <a:latin typeface="+mn-lt"/>
+                <a:ea typeface="+mn-ea"/>
+                <a:cs typeface="+mn-cs"/>
+              </a:defRPr>
+            </a:lvl9pPr>
+          </a:lstStyle>
+          <a:p>
+            <a:r>
+              <a:rPr lang="en-IN" dirty="0" smtClean="0"/>
+              <a:t>Not enough data to observe differences in directors</a:t>
+            </a:r>
+          </a:p>
+          <a:p>
+            <a:r>
+              <a:rPr lang="en-IN" dirty="0" smtClean="0"/>
+              <a:t>Unable to include writers in the analysis due to the nature of the data</a:t>
+            </a:r>
+          </a:p>
+          <a:p>
+            <a:endParaRPr lang="en-IN" dirty="0" smtClean="0"/>
+          </a:p>
+          <a:p>
+            <a:endParaRPr lang="en-US" dirty="0"/>
+          </a:p>
+        </p:txBody>
+      </p:sp>
+    </p:spTree>
+    <p:extLst>
+      <p:ext uri="{BB962C8B-B14F-4D97-AF65-F5344CB8AC3E}">
+        <p14:creationId xmlns:p14="http://schemas.microsoft.com/office/powerpoint/2010/main" val="561314979"/>
+      </p:ext>
+    </p:extLst>
+  </p:cSld>
+  <p:clrMapOvr>
+    <a:masterClrMapping/>
+  </p:clrMapOvr>
+</p:sld>
+</file>
+
 <file path=ppt/slides/slide2.xml><?xml version="1.0" encoding="utf-8"?>
 <p:sld xmlns:a="http://schemas.openxmlformats.org/drawingml/2006/main" xmlns:r="http://schemas.openxmlformats.org/officeDocument/2006/relationships" xmlns:p="http://schemas.openxmlformats.org/presentationml/2006/main">
   <p:cSld>
@@ -4047,8 +4447,8 @@
         </p:nvSpPr>
         <p:spPr>
           <a:xfrm>
-            <a:off x="6574847" y="3652471"/>
-            <a:ext cx="1648913" cy="707886"/>
+            <a:off x="6574859" y="3652471"/>
+            <a:ext cx="1648913" cy="1015663"/>
           </a:xfrm>
           <a:prstGeom prst="rect">
             <a:avLst/>
@@ -4073,6 +4473,9 @@
               <a:rPr lang="en-US" sz="2000" dirty="0" smtClean="0"/>
               <a:t>PROMINANCE</a:t>
             </a:r>
+            <a:br>
+              <a:rPr lang="en-US" sz="2000" dirty="0" smtClean="0"/>
+            </a:br>
             <a:endParaRPr lang="en-US" sz="2000" dirty="0"/>
           </a:p>
         </p:txBody>
@@ -4139,6 +4542,51 @@
               <a:t>Director</a:t>
             </a:r>
             <a:endParaRPr lang="en-US" sz="2800" dirty="0"/>
+          </a:p>
+        </p:txBody>
+      </p:sp>
+      <p:sp>
+        <p:nvSpPr>
+          <p:cNvPr id="32" name="TextBox 31"/>
+          <p:cNvSpPr txBox="1"/>
+          <p:nvPr/>
+        </p:nvSpPr>
+        <p:spPr>
+          <a:xfrm>
+            <a:off x="3425588" y="5863231"/>
+            <a:ext cx="7705699" cy="646331"/>
+          </a:xfrm>
+          <a:prstGeom prst="rect">
+            <a:avLst/>
+          </a:prstGeom>
+          <a:noFill/>
+        </p:spPr>
+        <p:txBody>
+          <a:bodyPr wrap="none" rtlCol="0">
+            <a:spAutoFit/>
+          </a:bodyPr>
+          <a:lstStyle/>
+          <a:p>
+            <a:r>
+              <a:rPr lang="en-US" dirty="0" smtClean="0"/>
+              <a:t>CHARACTER PROMINENCE = Percentage </a:t>
+            </a:r>
+            <a:r>
+              <a:rPr lang="en-US" dirty="0"/>
+              <a:t>of words spoken by each main </a:t>
+            </a:r>
+            <a:r>
+              <a:rPr lang="en-US" dirty="0" smtClean="0"/>
+              <a:t>character</a:t>
+            </a:r>
+            <a:br>
+              <a:rPr lang="en-US" dirty="0" smtClean="0"/>
+            </a:br>
+            <a:r>
+              <a:rPr lang="en-US" dirty="0" smtClean="0"/>
+              <a:t> 			within each episode</a:t>
+            </a:r>
+            <a:endParaRPr lang="en-US" dirty="0"/>
           </a:p>
         </p:txBody>
       </p:sp>
@@ -4642,6 +5090,36 @@
         <p:spPr>
           <a:xfrm>
             <a:off x="846489" y="3958907"/>
+            <a:ext cx="4392595" cy="2711478"/>
+          </a:xfrm>
+          <a:prstGeom prst="rect">
+            <a:avLst/>
+          </a:prstGeom>
+        </p:spPr>
+      </p:pic>
+      <p:pic>
+        <p:nvPicPr>
+          <p:cNvPr id="15" name="Picture 14"/>
+          <p:cNvPicPr>
+            <a:picLocks noChangeAspect="1"/>
+          </p:cNvPicPr>
+          <p:nvPr/>
+        </p:nvPicPr>
+        <p:blipFill>
+          <a:blip r:embed="rId4" cstate="print">
+            <a:extLst>
+              <a:ext uri="{28A0092B-C50C-407E-A947-70E740481C1C}">
+                <a14:useLocalDpi xmlns:a14="http://schemas.microsoft.com/office/drawing/2010/main" val="0"/>
+              </a:ext>
+            </a:extLst>
+          </a:blip>
+          <a:stretch>
+            <a:fillRect/>
+          </a:stretch>
+        </p:blipFill>
+        <p:spPr>
+          <a:xfrm>
+            <a:off x="846489" y="1138599"/>
             <a:ext cx="4392595" cy="2711478"/>
           </a:xfrm>
           <a:prstGeom prst="rect">
@@ -5375,25 +5853,34 @@
           <a:chExt cx="0" cy="0"/>
         </a:xfrm>
       </p:grpSpPr>
-      <p:sp>
-        <p:nvSpPr>
-          <p:cNvPr id="3" name="Content Placeholder 2"/>
-          <p:cNvSpPr>
-            <a:spLocks noGrp="1"/>
-          </p:cNvSpPr>
+      <p:pic>
+        <p:nvPicPr>
+          <p:cNvPr id="5" name="Content Placeholder 4"/>
+          <p:cNvPicPr>
+            <a:picLocks noGrp="1" noChangeAspect="1"/>
+          </p:cNvPicPr>
           <p:nvPr>
             <p:ph idx="1"/>
           </p:nvPr>
-        </p:nvSpPr>
-        <p:spPr/>
-        <p:txBody>
-          <a:bodyPr/>
-          <a:lstStyle/>
-          <a:p>
-            <a:endParaRPr lang="en-US"/>
-          </a:p>
-        </p:txBody>
-      </p:sp>
+        </p:nvPicPr>
+        <p:blipFill rotWithShape="1">
+          <a:blip r:embed="rId2">
+            <a:extLst>
+              <a:ext uri="{28A0092B-C50C-407E-A947-70E740481C1C}">
+                <a14:useLocalDpi xmlns:a14="http://schemas.microsoft.com/office/drawing/2010/main" val="0"/>
+              </a:ext>
+            </a:extLst>
+          </a:blip>
+          <a:srcRect l="29541"/>
+          <a:stretch/>
+        </p:blipFill>
+        <p:spPr>
+          <a:xfrm>
+            <a:off x="531776" y="1439425"/>
+            <a:ext cx="4277666" cy="3746724"/>
+          </a:xfrm>
+        </p:spPr>
+      </p:pic>
       <p:sp>
         <p:nvSpPr>
           <p:cNvPr id="4" name="Title 1"/>
@@ -5406,7 +5893,7 @@
         </p:nvSpPr>
         <p:spPr>
           <a:xfrm>
-            <a:off x="790433" y="249031"/>
+            <a:off x="531776" y="113862"/>
             <a:ext cx="10257430" cy="1325563"/>
           </a:xfrm>
         </p:spPr>
@@ -5423,7 +5910,7 @@
                 </a:solidFill>
                 <a:latin typeface="Franklin Gothic Demi" panose="020B0703020102020204" pitchFamily="34" charset="0"/>
               </a:rPr>
-              <a:t>FINAL MODEL</a:t>
+              <a:t>RESULTS: RANDOM EFFECTS</a:t>
             </a:r>
             <a:endParaRPr lang="en-US" sz="4800" dirty="0">
               <a:solidFill>
@@ -5434,10 +5921,309 @@
           </a:p>
         </p:txBody>
       </p:sp>
+      <p:pic>
+        <p:nvPicPr>
+          <p:cNvPr id="6" name="Picture 5"/>
+          <p:cNvPicPr>
+            <a:picLocks noChangeAspect="1"/>
+          </p:cNvPicPr>
+          <p:nvPr/>
+        </p:nvPicPr>
+        <p:blipFill>
+          <a:blip r:embed="rId3">
+            <a:extLst>
+              <a:ext uri="{28A0092B-C50C-407E-A947-70E740481C1C}">
+                <a14:useLocalDpi xmlns:a14="http://schemas.microsoft.com/office/drawing/2010/main" val="0"/>
+              </a:ext>
+            </a:extLst>
+          </a:blip>
+          <a:stretch>
+            <a:fillRect/>
+          </a:stretch>
+        </p:blipFill>
+        <p:spPr>
+          <a:xfrm>
+            <a:off x="5660491" y="1439425"/>
+            <a:ext cx="6071081" cy="3746724"/>
+          </a:xfrm>
+          <a:prstGeom prst="rect">
+            <a:avLst/>
+          </a:prstGeom>
+        </p:spPr>
+      </p:pic>
+      <p:sp>
+        <p:nvSpPr>
+          <p:cNvPr id="7" name="TextBox 6"/>
+          <p:cNvSpPr txBox="1"/>
+          <p:nvPr/>
+        </p:nvSpPr>
+        <p:spPr>
+          <a:xfrm>
+            <a:off x="6739844" y="5533008"/>
+            <a:ext cx="3151825" cy="369332"/>
+          </a:xfrm>
+          <a:prstGeom prst="rect">
+            <a:avLst/>
+          </a:prstGeom>
+          <a:noFill/>
+        </p:spPr>
+        <p:txBody>
+          <a:bodyPr wrap="none" rtlCol="0">
+            <a:spAutoFit/>
+          </a:bodyPr>
+          <a:lstStyle/>
+          <a:p>
+            <a:r>
+              <a:rPr lang="en-IN" dirty="0" smtClean="0"/>
+              <a:t>Variability Explained:      11.75%</a:t>
+            </a:r>
+            <a:endParaRPr lang="en-US" dirty="0"/>
+          </a:p>
+        </p:txBody>
+      </p:sp>
+      <p:sp>
+        <p:nvSpPr>
+          <p:cNvPr id="8" name="TextBox 7"/>
+          <p:cNvSpPr txBox="1"/>
+          <p:nvPr/>
+        </p:nvSpPr>
+        <p:spPr>
+          <a:xfrm>
+            <a:off x="1338390" y="5533008"/>
+            <a:ext cx="2917786" cy="369332"/>
+          </a:xfrm>
+          <a:prstGeom prst="rect">
+            <a:avLst/>
+          </a:prstGeom>
+          <a:noFill/>
+        </p:spPr>
+        <p:txBody>
+          <a:bodyPr wrap="none" rtlCol="0">
+            <a:spAutoFit/>
+          </a:bodyPr>
+          <a:lstStyle/>
+          <a:p>
+            <a:r>
+              <a:rPr lang="en-IN" dirty="0" smtClean="0"/>
+              <a:t>Variability Explained:      0.1%</a:t>
+            </a:r>
+            <a:endParaRPr lang="en-US" dirty="0"/>
+          </a:p>
+        </p:txBody>
+      </p:sp>
     </p:spTree>
     <p:extLst>
       <p:ext uri="{BB962C8B-B14F-4D97-AF65-F5344CB8AC3E}">
         <p14:creationId xmlns:p14="http://schemas.microsoft.com/office/powerpoint/2010/main" val="3557833365"/>
+      </p:ext>
+    </p:extLst>
+  </p:cSld>
+  <p:clrMapOvr>
+    <a:masterClrMapping/>
+  </p:clrMapOvr>
+</p:sld>
+</file>
+
+<file path=ppt/slides/slide9.xml><?xml version="1.0" encoding="utf-8"?>
+<p:sld xmlns:a="http://schemas.openxmlformats.org/drawingml/2006/main" xmlns:r="http://schemas.openxmlformats.org/officeDocument/2006/relationships" xmlns:p="http://schemas.openxmlformats.org/presentationml/2006/main">
+  <p:cSld>
+    <p:spTree>
+      <p:nvGrpSpPr>
+        <p:cNvPr id="1" name=""/>
+        <p:cNvGrpSpPr/>
+        <p:nvPr/>
+      </p:nvGrpSpPr>
+      <p:grpSpPr>
+        <a:xfrm>
+          <a:off x="0" y="0"/>
+          <a:ext cx="0" cy="0"/>
+          <a:chOff x="0" y="0"/>
+          <a:chExt cx="0" cy="0"/>
+        </a:xfrm>
+      </p:grpSpPr>
+      <p:sp>
+        <p:nvSpPr>
+          <p:cNvPr id="5" name="Title 1"/>
+          <p:cNvSpPr txBox="1">
+            <a:spLocks/>
+          </p:cNvSpPr>
+          <p:nvPr/>
+        </p:nvSpPr>
+        <p:spPr>
+          <a:xfrm>
+            <a:off x="846489" y="-49910"/>
+            <a:ext cx="10257430" cy="1325563"/>
+          </a:xfrm>
+          <a:prstGeom prst="rect">
+            <a:avLst/>
+          </a:prstGeom>
+        </p:spPr>
+        <p:txBody>
+          <a:bodyPr vert="horz" lIns="91440" tIns="45720" rIns="91440" bIns="45720" rtlCol="0" anchor="ctr">
+            <a:normAutofit/>
+          </a:bodyPr>
+          <a:lstStyle>
+            <a:lvl1pPr algn="l" defTabSz="914400" rtl="0" eaLnBrk="1" latinLnBrk="0" hangingPunct="1">
+              <a:lnSpc>
+                <a:spcPct val="90000"/>
+              </a:lnSpc>
+              <a:spcBef>
+                <a:spcPct val="0"/>
+              </a:spcBef>
+              <a:buNone/>
+              <a:defRPr sz="4400" kern="1200">
+                <a:solidFill>
+                  <a:schemeClr val="tx1"/>
+                </a:solidFill>
+                <a:latin typeface="+mj-lt"/>
+                <a:ea typeface="+mj-ea"/>
+                <a:cs typeface="+mj-cs"/>
+              </a:defRPr>
+            </a:lvl1pPr>
+          </a:lstStyle>
+          <a:p>
+            <a:r>
+              <a:rPr lang="en-IN" sz="4800" dirty="0" smtClean="0">
+                <a:solidFill>
+                  <a:srgbClr val="F8CE21"/>
+                </a:solidFill>
+                <a:latin typeface="Franklin Gothic Demi" panose="020B0703020102020204" pitchFamily="34" charset="0"/>
+              </a:rPr>
+              <a:t>RESULTS: FIXED EFFECTS</a:t>
+            </a:r>
+            <a:endParaRPr lang="en-US" sz="4800" dirty="0">
+              <a:solidFill>
+                <a:srgbClr val="F8CE21"/>
+              </a:solidFill>
+              <a:latin typeface="Franklin Gothic Demi" panose="020B0703020102020204" pitchFamily="34" charset="0"/>
+            </a:endParaRPr>
+          </a:p>
+        </p:txBody>
+      </p:sp>
+      <p:pic>
+        <p:nvPicPr>
+          <p:cNvPr id="6" name="Picture 5"/>
+          <p:cNvPicPr>
+            <a:picLocks noChangeAspect="1"/>
+          </p:cNvPicPr>
+          <p:nvPr/>
+        </p:nvPicPr>
+        <p:blipFill>
+          <a:blip r:embed="rId2" cstate="print">
+            <a:extLst>
+              <a:ext uri="{28A0092B-C50C-407E-A947-70E740481C1C}">
+                <a14:useLocalDpi xmlns:a14="http://schemas.microsoft.com/office/drawing/2010/main" val="0"/>
+              </a:ext>
+            </a:extLst>
+          </a:blip>
+          <a:stretch>
+            <a:fillRect/>
+          </a:stretch>
+        </p:blipFill>
+        <p:spPr>
+          <a:xfrm>
+            <a:off x="5984745" y="1138600"/>
+            <a:ext cx="4392593" cy="2711477"/>
+          </a:xfrm>
+          <a:prstGeom prst="rect">
+            <a:avLst/>
+          </a:prstGeom>
+        </p:spPr>
+      </p:pic>
+      <p:pic>
+        <p:nvPicPr>
+          <p:cNvPr id="7" name="Picture 6"/>
+          <p:cNvPicPr>
+            <a:picLocks noChangeAspect="1"/>
+          </p:cNvPicPr>
+          <p:nvPr/>
+        </p:nvPicPr>
+        <p:blipFill>
+          <a:blip r:embed="rId3" cstate="print">
+            <a:extLst>
+              <a:ext uri="{28A0092B-C50C-407E-A947-70E740481C1C}">
+                <a14:useLocalDpi xmlns:a14="http://schemas.microsoft.com/office/drawing/2010/main" val="0"/>
+              </a:ext>
+            </a:extLst>
+          </a:blip>
+          <a:stretch>
+            <a:fillRect/>
+          </a:stretch>
+        </p:blipFill>
+        <p:spPr>
+          <a:xfrm>
+            <a:off x="5984745" y="3958907"/>
+            <a:ext cx="4392595" cy="2711477"/>
+          </a:xfrm>
+          <a:prstGeom prst="rect">
+            <a:avLst/>
+          </a:prstGeom>
+        </p:spPr>
+      </p:pic>
+      <p:pic>
+        <p:nvPicPr>
+          <p:cNvPr id="8" name="Picture 7"/>
+          <p:cNvPicPr>
+            <a:picLocks noChangeAspect="1"/>
+          </p:cNvPicPr>
+          <p:nvPr/>
+        </p:nvPicPr>
+        <p:blipFill>
+          <a:blip r:embed="rId4" cstate="print">
+            <a:extLst>
+              <a:ext uri="{28A0092B-C50C-407E-A947-70E740481C1C}">
+                <a14:useLocalDpi xmlns:a14="http://schemas.microsoft.com/office/drawing/2010/main" val="0"/>
+              </a:ext>
+            </a:extLst>
+          </a:blip>
+          <a:stretch>
+            <a:fillRect/>
+          </a:stretch>
+        </p:blipFill>
+        <p:spPr>
+          <a:xfrm>
+            <a:off x="846489" y="3958907"/>
+            <a:ext cx="4392595" cy="2711477"/>
+          </a:xfrm>
+          <a:prstGeom prst="rect">
+            <a:avLst/>
+          </a:prstGeom>
+        </p:spPr>
+      </p:pic>
+      <p:pic>
+        <p:nvPicPr>
+          <p:cNvPr id="9" name="Picture 8"/>
+          <p:cNvPicPr>
+            <a:picLocks noChangeAspect="1"/>
+          </p:cNvPicPr>
+          <p:nvPr/>
+        </p:nvPicPr>
+        <p:blipFill>
+          <a:blip r:embed="rId5" cstate="print">
+            <a:extLst>
+              <a:ext uri="{28A0092B-C50C-407E-A947-70E740481C1C}">
+                <a14:useLocalDpi xmlns:a14="http://schemas.microsoft.com/office/drawing/2010/main" val="0"/>
+              </a:ext>
+            </a:extLst>
+          </a:blip>
+          <a:stretch>
+            <a:fillRect/>
+          </a:stretch>
+        </p:blipFill>
+        <p:spPr>
+          <a:xfrm>
+            <a:off x="846489" y="1138599"/>
+            <a:ext cx="4392595" cy="2711477"/>
+          </a:xfrm>
+          <a:prstGeom prst="rect">
+            <a:avLst/>
+          </a:prstGeom>
+        </p:spPr>
+      </p:pic>
+    </p:spTree>
+    <p:extLst>
+      <p:ext uri="{BB962C8B-B14F-4D97-AF65-F5344CB8AC3E}">
+        <p14:creationId xmlns:p14="http://schemas.microsoft.com/office/powerpoint/2010/main" val="3327109598"/>
       </p:ext>
     </p:extLst>
   </p:cSld>

--- a/presentation/satvikkishoew_finalproj.pptx
+++ b/presentation/satvikkishoew_finalproj.pptx
@@ -6,8 +6,8 @@
   </p:sldMasterIdLst>
   <p:sldIdLst>
     <p:sldId id="256" r:id="rId2"/>
-    <p:sldId id="257" r:id="rId3"/>
-    <p:sldId id="258" r:id="rId4"/>
+    <p:sldId id="258" r:id="rId3"/>
+    <p:sldId id="257" r:id="rId4"/>
     <p:sldId id="259" r:id="rId5"/>
     <p:sldId id="260" r:id="rId6"/>
     <p:sldId id="261" r:id="rId7"/>
@@ -3316,6 +3316,13 @@
   <p:clrMapOvr>
     <a:masterClrMapping/>
   </p:clrMapOvr>
+  <p:timing>
+    <p:tnLst>
+      <p:par>
+        <p:cTn id="1" dur="indefinite" restart="never" nodeType="tmRoot"/>
+      </p:par>
+    </p:tnLst>
+  </p:timing>
 </p:sld>
 </file>
 
@@ -3736,6 +3743,149 @@
       </p:grpSpPr>
       <p:sp>
         <p:nvSpPr>
+          <p:cNvPr id="3" name="Content Placeholder 2"/>
+          <p:cNvSpPr>
+            <a:spLocks noGrp="1"/>
+          </p:cNvSpPr>
+          <p:nvPr>
+            <p:ph idx="1"/>
+          </p:nvPr>
+        </p:nvSpPr>
+        <p:spPr>
+          <a:xfrm>
+            <a:off x="790433" y="1907512"/>
+            <a:ext cx="10515600" cy="3858668"/>
+          </a:xfrm>
+        </p:spPr>
+        <p:txBody>
+          <a:bodyPr>
+            <a:normAutofit/>
+          </a:bodyPr>
+          <a:lstStyle/>
+          <a:p>
+            <a:pPr>
+              <a:lnSpc>
+                <a:spcPct val="100000"/>
+              </a:lnSpc>
+              <a:spcAft>
+                <a:spcPts val="1200"/>
+              </a:spcAft>
+            </a:pPr>
+            <a:r>
+              <a:rPr lang="en-US" dirty="0" smtClean="0"/>
+              <a:t>Are there differences in quality across directors?</a:t>
+            </a:r>
+          </a:p>
+          <a:p>
+            <a:pPr>
+              <a:lnSpc>
+                <a:spcPct val="100000"/>
+              </a:lnSpc>
+              <a:spcAft>
+                <a:spcPts val="1200"/>
+              </a:spcAft>
+            </a:pPr>
+            <a:r>
+              <a:rPr lang="en-US" dirty="0" smtClean="0"/>
+              <a:t>What are the differences in quality across four shows and their constituent seasons?</a:t>
+            </a:r>
+          </a:p>
+          <a:p>
+            <a:pPr>
+              <a:lnSpc>
+                <a:spcPct val="100000"/>
+              </a:lnSpc>
+              <a:spcAft>
+                <a:spcPts val="1200"/>
+              </a:spcAft>
+            </a:pPr>
+            <a:r>
+              <a:rPr lang="en-US" dirty="0" smtClean="0"/>
+              <a:t>Which characters were the most liked/disliked?</a:t>
+            </a:r>
+            <a:endParaRPr lang="en-US" dirty="0"/>
+          </a:p>
+        </p:txBody>
+      </p:sp>
+      <p:sp>
+        <p:nvSpPr>
+          <p:cNvPr id="4" name="Title 1"/>
+          <p:cNvSpPr>
+            <a:spLocks noGrp="1"/>
+          </p:cNvSpPr>
+          <p:nvPr>
+            <p:ph type="title"/>
+          </p:nvPr>
+        </p:nvSpPr>
+        <p:spPr>
+          <a:xfrm>
+            <a:off x="790433" y="249031"/>
+            <a:ext cx="10257430" cy="1325563"/>
+          </a:xfrm>
+        </p:spPr>
+        <p:txBody>
+          <a:bodyPr>
+            <a:normAutofit/>
+          </a:bodyPr>
+          <a:lstStyle/>
+          <a:p>
+            <a:r>
+              <a:rPr lang="en-US" sz="4800" dirty="0" smtClean="0">
+                <a:solidFill>
+                  <a:srgbClr val="F8CE21"/>
+                </a:solidFill>
+                <a:latin typeface="Franklin Gothic Demi" panose="020B0703020102020204" pitchFamily="34" charset="0"/>
+              </a:rPr>
+              <a:t>RESEARCH QUESTIONS</a:t>
+            </a:r>
+            <a:endParaRPr lang="en-US" sz="4800" dirty="0">
+              <a:solidFill>
+                <a:srgbClr val="F8CE21"/>
+              </a:solidFill>
+              <a:latin typeface="Franklin Gothic Demi" panose="020B0703020102020204" pitchFamily="34" charset="0"/>
+            </a:endParaRPr>
+          </a:p>
+        </p:txBody>
+      </p:sp>
+    </p:spTree>
+    <p:extLst>
+      <p:ext uri="{BB962C8B-B14F-4D97-AF65-F5344CB8AC3E}">
+        <p14:creationId xmlns:p14="http://schemas.microsoft.com/office/powerpoint/2010/main" val="2848367724"/>
+      </p:ext>
+    </p:extLst>
+  </p:cSld>
+  <p:clrMapOvr>
+    <a:masterClrMapping/>
+  </p:clrMapOvr>
+  <p:timing>
+    <p:tnLst>
+      <p:par>
+        <p:cTn id="1" dur="indefinite" restart="never" nodeType="tmRoot"/>
+      </p:par>
+    </p:tnLst>
+  </p:timing>
+</p:sld>
+</file>
+
+<file path=ppt/slides/slide3.xml><?xml version="1.0" encoding="utf-8"?>
+<p:sld xmlns:a="http://schemas.openxmlformats.org/drawingml/2006/main" xmlns:r="http://schemas.openxmlformats.org/officeDocument/2006/relationships" xmlns:p="http://schemas.openxmlformats.org/presentationml/2006/main">
+  <p:cSld>
+    <p:spTree>
+      <p:nvGrpSpPr>
+        <p:cNvPr id="1" name=""/>
+        <p:cNvGrpSpPr/>
+        <p:nvPr/>
+      </p:nvGrpSpPr>
+      <p:grpSpPr>
+        <a:xfrm>
+          <a:off x="0" y="0"/>
+          <a:ext cx="0" cy="0"/>
+          <a:chOff x="0" y="0"/>
+          <a:chExt cx="0" cy="0"/>
+        </a:xfrm>
+      </p:grpSpPr>
+      <p:sp>
+        <p:nvSpPr>
           <p:cNvPr id="2" name="Title 1"/>
           <p:cNvSpPr>
             <a:spLocks noGrp="1"/>
@@ -3796,7 +3946,7 @@
         </p:blipFill>
         <p:spPr>
           <a:xfrm>
-            <a:off x="2283258" y="1546713"/>
+            <a:off x="2283258" y="1147465"/>
             <a:ext cx="2381250" cy="1162050"/>
           </a:xfrm>
           <a:prstGeom prst="rect">
@@ -3826,7 +3976,7 @@
         </p:blipFill>
         <p:spPr>
           <a:xfrm>
-            <a:off x="2195663" y="2708763"/>
+            <a:off x="2195663" y="2309515"/>
             <a:ext cx="2707327" cy="1013314"/>
           </a:xfrm>
           <a:prstGeom prst="rect">
@@ -3856,7 +4006,7 @@
         </p:blipFill>
         <p:spPr>
           <a:xfrm>
-            <a:off x="2154280" y="4735391"/>
+            <a:off x="2154280" y="4336143"/>
             <a:ext cx="2790092" cy="708422"/>
           </a:xfrm>
           <a:prstGeom prst="rect">
@@ -3886,7 +4036,7 @@
         </p:blipFill>
         <p:spPr>
           <a:xfrm>
-            <a:off x="2239460" y="3722077"/>
+            <a:off x="2239460" y="3322829"/>
             <a:ext cx="2619732" cy="861646"/>
           </a:xfrm>
           <a:prstGeom prst="rect">
@@ -3902,7 +4052,7 @@
         </p:nvCxnSpPr>
         <p:spPr>
           <a:xfrm>
-            <a:off x="2063262" y="2708763"/>
+            <a:off x="2063262" y="2309515"/>
             <a:ext cx="2839728" cy="0"/>
           </a:xfrm>
           <a:prstGeom prst="line">
@@ -3937,7 +4087,7 @@
         </p:nvCxnSpPr>
         <p:spPr>
           <a:xfrm>
-            <a:off x="2063262" y="3652471"/>
+            <a:off x="2063262" y="3253223"/>
             <a:ext cx="2839728" cy="0"/>
           </a:xfrm>
           <a:prstGeom prst="line">
@@ -3972,7 +4122,7 @@
         </p:nvCxnSpPr>
         <p:spPr>
           <a:xfrm>
-            <a:off x="2063262" y="4735391"/>
+            <a:off x="2063262" y="4336143"/>
             <a:ext cx="2839728" cy="0"/>
           </a:xfrm>
           <a:prstGeom prst="line">
@@ -4007,7 +4157,7 @@
         </p:nvSpPr>
         <p:spPr>
           <a:xfrm>
-            <a:off x="225239" y="2093274"/>
+            <a:off x="225239" y="1694026"/>
             <a:ext cx="1792478" cy="369332"/>
           </a:xfrm>
           <a:prstGeom prst="rect">
@@ -4041,7 +4191,7 @@
         </p:nvSpPr>
         <p:spPr>
           <a:xfrm>
-            <a:off x="252298" y="3030754"/>
+            <a:off x="252298" y="2631506"/>
             <a:ext cx="1750800" cy="369332"/>
           </a:xfrm>
           <a:prstGeom prst="rect">
@@ -4071,7 +4221,7 @@
         </p:nvSpPr>
         <p:spPr>
           <a:xfrm>
-            <a:off x="252298" y="3886539"/>
+            <a:off x="252298" y="3487291"/>
             <a:ext cx="1772024" cy="369332"/>
           </a:xfrm>
           <a:prstGeom prst="rect">
@@ -4101,7 +4251,7 @@
         </p:nvSpPr>
         <p:spPr>
           <a:xfrm>
-            <a:off x="258902" y="4824019"/>
+            <a:off x="258902" y="4424771"/>
             <a:ext cx="1758815" cy="369332"/>
           </a:xfrm>
           <a:prstGeom prst="rect">
@@ -4131,7 +4281,7 @@
         </p:nvSpPr>
         <p:spPr>
           <a:xfrm>
-            <a:off x="4944372" y="1835350"/>
+            <a:off x="4944372" y="1436102"/>
             <a:ext cx="1340432" cy="584775"/>
           </a:xfrm>
           <a:prstGeom prst="rect">
@@ -4168,7 +4318,7 @@
         </p:nvSpPr>
         <p:spPr>
           <a:xfrm>
-            <a:off x="4944372" y="2923032"/>
+            <a:off x="4944372" y="2523784"/>
             <a:ext cx="1340432" cy="584775"/>
           </a:xfrm>
           <a:prstGeom prst="rect">
@@ -4205,7 +4355,7 @@
         </p:nvSpPr>
         <p:spPr>
           <a:xfrm>
-            <a:off x="4944372" y="3936347"/>
+            <a:off x="4944372" y="3537099"/>
             <a:ext cx="1340432" cy="584775"/>
           </a:xfrm>
           <a:prstGeom prst="rect">
@@ -4242,7 +4392,7 @@
         </p:nvSpPr>
         <p:spPr>
           <a:xfrm>
-            <a:off x="4944372" y="4716297"/>
+            <a:off x="4944372" y="4317049"/>
             <a:ext cx="1367682" cy="584775"/>
           </a:xfrm>
           <a:prstGeom prst="rect">
@@ -4293,7 +4443,7 @@
         </p:blipFill>
         <p:spPr>
           <a:xfrm>
-            <a:off x="10160965" y="2932068"/>
+            <a:off x="10160965" y="2532820"/>
             <a:ext cx="1813357" cy="954471"/>
           </a:xfrm>
           <a:prstGeom prst="rect">
@@ -4309,7 +4459,7 @@
         </p:nvSpPr>
         <p:spPr>
           <a:xfrm>
-            <a:off x="6691537" y="2350519"/>
+            <a:off x="6691537" y="1951271"/>
             <a:ext cx="1348318" cy="523220"/>
           </a:xfrm>
           <a:prstGeom prst="rect">
@@ -4339,7 +4489,7 @@
         </p:nvCxnSpPr>
         <p:spPr>
           <a:xfrm>
-            <a:off x="6402949" y="1835350"/>
+            <a:off x="6402949" y="1436102"/>
             <a:ext cx="0" cy="3465722"/>
           </a:xfrm>
           <a:prstGeom prst="line">
@@ -4374,7 +4524,7 @@
         </p:nvCxnSpPr>
         <p:spPr>
           <a:xfrm>
-            <a:off x="8322735" y="1835350"/>
+            <a:off x="8322735" y="1436102"/>
             <a:ext cx="0" cy="3465722"/>
           </a:xfrm>
           <a:prstGeom prst="line">
@@ -4411,7 +4561,7 @@
         </p:nvCxnSpPr>
         <p:spPr>
           <a:xfrm>
-            <a:off x="7365696" y="2873739"/>
+            <a:off x="7365696" y="2474491"/>
             <a:ext cx="0" cy="778732"/>
           </a:xfrm>
           <a:prstGeom prst="straightConnector1">
@@ -4447,7 +4597,7 @@
         </p:nvSpPr>
         <p:spPr>
           <a:xfrm>
-            <a:off x="6574859" y="3652471"/>
+            <a:off x="6574859" y="3253223"/>
             <a:ext cx="1648913" cy="1015663"/>
           </a:xfrm>
           <a:prstGeom prst="rect">
@@ -4488,7 +4638,7 @@
         </p:nvCxnSpPr>
         <p:spPr>
           <a:xfrm>
-            <a:off x="10011269" y="1835350"/>
+            <a:off x="10011269" y="1436102"/>
             <a:ext cx="0" cy="3465722"/>
           </a:xfrm>
           <a:prstGeom prst="line">
@@ -4523,7 +4673,7 @@
         </p:nvSpPr>
         <p:spPr>
           <a:xfrm>
-            <a:off x="8492545" y="3048053"/>
+            <a:off x="8492545" y="2648805"/>
             <a:ext cx="1369029" cy="523220"/>
           </a:xfrm>
           <a:prstGeom prst="rect">
@@ -4553,7 +4703,7 @@
         </p:nvSpPr>
         <p:spPr>
           <a:xfrm>
-            <a:off x="3425588" y="5863231"/>
+            <a:off x="4268623" y="5096925"/>
             <a:ext cx="7705699" cy="646331"/>
           </a:xfrm>
           <a:prstGeom prst="rect">
@@ -4590,146 +4740,55 @@
           </a:p>
         </p:txBody>
       </p:sp>
+      <p:sp>
+        <p:nvSpPr>
+          <p:cNvPr id="33" name="TextBox 32"/>
+          <p:cNvSpPr txBox="1"/>
+          <p:nvPr/>
+        </p:nvSpPr>
+        <p:spPr>
+          <a:xfrm>
+            <a:off x="225239" y="5963606"/>
+            <a:ext cx="4832605" cy="646331"/>
+          </a:xfrm>
+          <a:prstGeom prst="rect">
+            <a:avLst/>
+          </a:prstGeom>
+          <a:noFill/>
+        </p:spPr>
+        <p:txBody>
+          <a:bodyPr wrap="none" rtlCol="0">
+            <a:spAutoFit/>
+          </a:bodyPr>
+          <a:lstStyle/>
+          <a:p>
+            <a:r>
+              <a:rPr lang="en-IN" dirty="0" smtClean="0"/>
+              <a:t>Sources</a:t>
+            </a:r>
+            <a:r>
+              <a:rPr lang="en-IN" dirty="0"/>
+              <a:t>: </a:t>
+            </a:r>
+            <a:r>
+              <a:rPr lang="en-IN" dirty="0" smtClean="0"/>
+              <a:t>www.chakoteya.net/StarTrek/index.html</a:t>
+            </a:r>
+            <a:br>
+              <a:rPr lang="en-IN" dirty="0" smtClean="0"/>
+            </a:br>
+            <a:r>
+              <a:rPr lang="en-IN" dirty="0" smtClean="0"/>
+              <a:t>                  datasets.imdbws.com</a:t>
+            </a:r>
+            <a:endParaRPr lang="en-US" dirty="0"/>
+          </a:p>
+        </p:txBody>
+      </p:sp>
     </p:spTree>
     <p:extLst>
       <p:ext uri="{BB962C8B-B14F-4D97-AF65-F5344CB8AC3E}">
         <p14:creationId xmlns:p14="http://schemas.microsoft.com/office/powerpoint/2010/main" val="3279742894"/>
-      </p:ext>
-    </p:extLst>
-  </p:cSld>
-  <p:clrMapOvr>
-    <a:masterClrMapping/>
-  </p:clrMapOvr>
-</p:sld>
-</file>
-
-<file path=ppt/slides/slide3.xml><?xml version="1.0" encoding="utf-8"?>
-<p:sld xmlns:a="http://schemas.openxmlformats.org/drawingml/2006/main" xmlns:r="http://schemas.openxmlformats.org/officeDocument/2006/relationships" xmlns:p="http://schemas.openxmlformats.org/presentationml/2006/main">
-  <p:cSld>
-    <p:spTree>
-      <p:nvGrpSpPr>
-        <p:cNvPr id="1" name=""/>
-        <p:cNvGrpSpPr/>
-        <p:nvPr/>
-      </p:nvGrpSpPr>
-      <p:grpSpPr>
-        <a:xfrm>
-          <a:off x="0" y="0"/>
-          <a:ext cx="0" cy="0"/>
-          <a:chOff x="0" y="0"/>
-          <a:chExt cx="0" cy="0"/>
-        </a:xfrm>
-      </p:grpSpPr>
-      <p:sp>
-        <p:nvSpPr>
-          <p:cNvPr id="3" name="Content Placeholder 2"/>
-          <p:cNvSpPr>
-            <a:spLocks noGrp="1"/>
-          </p:cNvSpPr>
-          <p:nvPr>
-            <p:ph idx="1"/>
-          </p:nvPr>
-        </p:nvSpPr>
-        <p:spPr>
-          <a:xfrm>
-            <a:off x="790433" y="1907512"/>
-            <a:ext cx="10515600" cy="3858668"/>
-          </a:xfrm>
-        </p:spPr>
-        <p:txBody>
-          <a:bodyPr>
-            <a:normAutofit/>
-          </a:bodyPr>
-          <a:lstStyle/>
-          <a:p>
-            <a:pPr>
-              <a:lnSpc>
-                <a:spcPct val="100000"/>
-              </a:lnSpc>
-              <a:spcAft>
-                <a:spcPts val="1200"/>
-              </a:spcAft>
-            </a:pPr>
-            <a:r>
-              <a:rPr lang="en-US" dirty="0" smtClean="0"/>
-              <a:t>Are there differences in quality across directors?</a:t>
-            </a:r>
-          </a:p>
-          <a:p>
-            <a:pPr>
-              <a:lnSpc>
-                <a:spcPct val="100000"/>
-              </a:lnSpc>
-              <a:spcAft>
-                <a:spcPts val="1200"/>
-              </a:spcAft>
-            </a:pPr>
-            <a:r>
-              <a:rPr lang="en-US" dirty="0" smtClean="0"/>
-              <a:t>What are the differences in quality across the four shows and constituent seasons?</a:t>
-            </a:r>
-          </a:p>
-          <a:p>
-            <a:pPr>
-              <a:lnSpc>
-                <a:spcPct val="100000"/>
-              </a:lnSpc>
-              <a:spcAft>
-                <a:spcPts val="1200"/>
-              </a:spcAft>
-            </a:pPr>
-            <a:r>
-              <a:rPr lang="en-US" dirty="0" smtClean="0"/>
-              <a:t>Which characters were the most liked/disliked?</a:t>
-            </a:r>
-            <a:endParaRPr lang="en-US" dirty="0"/>
-          </a:p>
-        </p:txBody>
-      </p:sp>
-      <p:sp>
-        <p:nvSpPr>
-          <p:cNvPr id="4" name="Title 1"/>
-          <p:cNvSpPr>
-            <a:spLocks noGrp="1"/>
-          </p:cNvSpPr>
-          <p:nvPr>
-            <p:ph type="title"/>
-          </p:nvPr>
-        </p:nvSpPr>
-        <p:spPr>
-          <a:xfrm>
-            <a:off x="790433" y="249031"/>
-            <a:ext cx="10257430" cy="1325563"/>
-          </a:xfrm>
-        </p:spPr>
-        <p:txBody>
-          <a:bodyPr>
-            <a:normAutofit/>
-          </a:bodyPr>
-          <a:lstStyle/>
-          <a:p>
-            <a:r>
-              <a:rPr lang="en-US" sz="4800" dirty="0" smtClean="0">
-                <a:solidFill>
-                  <a:srgbClr val="F8CE21"/>
-                </a:solidFill>
-                <a:latin typeface="Franklin Gothic Demi" panose="020B0703020102020204" pitchFamily="34" charset="0"/>
-              </a:rPr>
-              <a:t>RESEARCH QUESTIONS</a:t>
-            </a:r>
-            <a:endParaRPr lang="en-US" sz="4800" dirty="0">
-              <a:solidFill>
-                <a:srgbClr val="F8CE21"/>
-              </a:solidFill>
-              <a:latin typeface="Franklin Gothic Demi" panose="020B0703020102020204" pitchFamily="34" charset="0"/>
-            </a:endParaRPr>
-          </a:p>
-        </p:txBody>
-      </p:sp>
-    </p:spTree>
-    <p:extLst>
-      <p:ext uri="{BB962C8B-B14F-4D97-AF65-F5344CB8AC3E}">
-        <p14:creationId xmlns:p14="http://schemas.microsoft.com/office/powerpoint/2010/main" val="2848367724"/>
       </p:ext>
     </p:extLst>
   </p:cSld>
